--- a/SharePoint as a Service Delivery Platform/SharePoint as a Service Delivery Platform.pptx
+++ b/SharePoint as a Service Delivery Platform/SharePoint as a Service Delivery Platform.pptx
@@ -206,7 +206,7 @@
           <a:p>
             <a:fld id="{3D7368E2-82AA-4A5C-9CBF-886E427DDC40}" type="datetimeFigureOut">
               <a:rPr lang="en-GB" smtClean="0"/>
-              <a:t>08/10/2015</a:t>
+              <a:t>30/05/2017</a:t>
             </a:fld>
             <a:endParaRPr lang="en-GB"/>
           </a:p>
@@ -270,35 +270,35 @@
           <a:p>
             <a:pPr lvl="0"/>
             <a:r>
-              <a:rPr lang="en-US" smtClean="0"/>
+              <a:rPr lang="en-US"/>
               <a:t>Click to edit Master text styles</a:t>
             </a:r>
           </a:p>
           <a:p>
             <a:pPr lvl="1"/>
             <a:r>
-              <a:rPr lang="en-US" smtClean="0"/>
+              <a:rPr lang="en-US"/>
               <a:t>Second level</a:t>
             </a:r>
           </a:p>
           <a:p>
             <a:pPr lvl="2"/>
             <a:r>
-              <a:rPr lang="en-US" smtClean="0"/>
+              <a:rPr lang="en-US"/>
               <a:t>Third level</a:t>
             </a:r>
           </a:p>
           <a:p>
             <a:pPr lvl="3"/>
             <a:r>
-              <a:rPr lang="en-US" smtClean="0"/>
+              <a:rPr lang="en-US"/>
               <a:t>Fourth level</a:t>
             </a:r>
           </a:p>
           <a:p>
             <a:pPr lvl="4"/>
             <a:r>
-              <a:rPr lang="en-US" smtClean="0"/>
+              <a:rPr lang="en-US"/>
               <a:t>Fifth level</a:t>
             </a:r>
             <a:endParaRPr lang="en-GB"/>
@@ -852,7 +852,7 @@
           </a:lstStyle>
           <a:p>
             <a:r>
-              <a:rPr lang="en-US" smtClean="0"/>
+              <a:rPr lang="en-US"/>
               <a:t>Click to edit Master title style</a:t>
             </a:r>
             <a:endParaRPr lang="en-GB"/>
@@ -917,7 +917,7 @@
           </a:lstStyle>
           <a:p>
             <a:r>
-              <a:rPr lang="en-US" smtClean="0"/>
+              <a:rPr lang="en-US"/>
               <a:t>Click to edit Master subtitle style</a:t>
             </a:r>
             <a:endParaRPr lang="en-GB"/>
@@ -941,7 +941,7 @@
           <a:p>
             <a:fld id="{D8D374B1-36E8-4293-89C8-B45A6D7B3AE1}" type="datetimeFigureOut">
               <a:rPr lang="en-GB" smtClean="0"/>
-              <a:t>08/10/2015</a:t>
+              <a:t>30/05/2017</a:t>
             </a:fld>
             <a:endParaRPr lang="en-GB" dirty="0"/>
           </a:p>
@@ -1035,7 +1035,7 @@
           <a:lstStyle/>
           <a:p>
             <a:r>
-              <a:rPr lang="en-US" smtClean="0"/>
+              <a:rPr lang="en-US"/>
               <a:t>Click to edit Master title style</a:t>
             </a:r>
             <a:endParaRPr lang="en-GB"/>
@@ -1059,35 +1059,35 @@
           <a:p>
             <a:pPr lvl="0"/>
             <a:r>
-              <a:rPr lang="en-US" smtClean="0"/>
+              <a:rPr lang="en-US"/>
               <a:t>Click to edit Master text styles</a:t>
             </a:r>
           </a:p>
           <a:p>
             <a:pPr lvl="1"/>
             <a:r>
-              <a:rPr lang="en-US" smtClean="0"/>
+              <a:rPr lang="en-US"/>
               <a:t>Second level</a:t>
             </a:r>
           </a:p>
           <a:p>
             <a:pPr lvl="2"/>
             <a:r>
-              <a:rPr lang="en-US" smtClean="0"/>
+              <a:rPr lang="en-US"/>
               <a:t>Third level</a:t>
             </a:r>
           </a:p>
           <a:p>
             <a:pPr lvl="3"/>
             <a:r>
-              <a:rPr lang="en-US" smtClean="0"/>
+              <a:rPr lang="en-US"/>
               <a:t>Fourth level</a:t>
             </a:r>
           </a:p>
           <a:p>
             <a:pPr lvl="4"/>
             <a:r>
-              <a:rPr lang="en-US" smtClean="0"/>
+              <a:rPr lang="en-US"/>
               <a:t>Fifth level</a:t>
             </a:r>
             <a:endParaRPr lang="en-GB"/>
@@ -1111,7 +1111,7 @@
           <a:p>
             <a:fld id="{D8D374B1-36E8-4293-89C8-B45A6D7B3AE1}" type="datetimeFigureOut">
               <a:rPr lang="en-GB" smtClean="0"/>
-              <a:t>08/10/2015</a:t>
+              <a:t>30/05/2017</a:t>
             </a:fld>
             <a:endParaRPr lang="en-GB" dirty="0"/>
           </a:p>
@@ -1210,7 +1210,7 @@
           <a:lstStyle/>
           <a:p>
             <a:r>
-              <a:rPr lang="en-US" smtClean="0"/>
+              <a:rPr lang="en-US"/>
               <a:t>Click to edit Master title style</a:t>
             </a:r>
             <a:endParaRPr lang="en-GB"/>
@@ -1239,35 +1239,35 @@
           <a:p>
             <a:pPr lvl="0"/>
             <a:r>
-              <a:rPr lang="en-US" smtClean="0"/>
+              <a:rPr lang="en-US"/>
               <a:t>Click to edit Master text styles</a:t>
             </a:r>
           </a:p>
           <a:p>
             <a:pPr lvl="1"/>
             <a:r>
-              <a:rPr lang="en-US" smtClean="0"/>
+              <a:rPr lang="en-US"/>
               <a:t>Second level</a:t>
             </a:r>
           </a:p>
           <a:p>
             <a:pPr lvl="2"/>
             <a:r>
-              <a:rPr lang="en-US" smtClean="0"/>
+              <a:rPr lang="en-US"/>
               <a:t>Third level</a:t>
             </a:r>
           </a:p>
           <a:p>
             <a:pPr lvl="3"/>
             <a:r>
-              <a:rPr lang="en-US" smtClean="0"/>
+              <a:rPr lang="en-US"/>
               <a:t>Fourth level</a:t>
             </a:r>
           </a:p>
           <a:p>
             <a:pPr lvl="4"/>
             <a:r>
-              <a:rPr lang="en-US" smtClean="0"/>
+              <a:rPr lang="en-US"/>
               <a:t>Fifth level</a:t>
             </a:r>
             <a:endParaRPr lang="en-GB"/>
@@ -1291,7 +1291,7 @@
           <a:p>
             <a:fld id="{D8D374B1-36E8-4293-89C8-B45A6D7B3AE1}" type="datetimeFigureOut">
               <a:rPr lang="en-GB" smtClean="0"/>
-              <a:t>08/10/2015</a:t>
+              <a:t>30/05/2017</a:t>
             </a:fld>
             <a:endParaRPr lang="en-GB" dirty="0"/>
           </a:p>
@@ -1385,7 +1385,7 @@
           <a:lstStyle/>
           <a:p>
             <a:r>
-              <a:rPr lang="en-US" smtClean="0"/>
+              <a:rPr lang="en-US"/>
               <a:t>Click to edit Master title style</a:t>
             </a:r>
             <a:endParaRPr lang="en-GB"/>
@@ -1409,35 +1409,35 @@
           <a:p>
             <a:pPr lvl="0"/>
             <a:r>
-              <a:rPr lang="en-US" smtClean="0"/>
+              <a:rPr lang="en-US"/>
               <a:t>Click to edit Master text styles</a:t>
             </a:r>
           </a:p>
           <a:p>
             <a:pPr lvl="1"/>
             <a:r>
-              <a:rPr lang="en-US" smtClean="0"/>
+              <a:rPr lang="en-US"/>
               <a:t>Second level</a:t>
             </a:r>
           </a:p>
           <a:p>
             <a:pPr lvl="2"/>
             <a:r>
-              <a:rPr lang="en-US" smtClean="0"/>
+              <a:rPr lang="en-US"/>
               <a:t>Third level</a:t>
             </a:r>
           </a:p>
           <a:p>
             <a:pPr lvl="3"/>
             <a:r>
-              <a:rPr lang="en-US" smtClean="0"/>
+              <a:rPr lang="en-US"/>
               <a:t>Fourth level</a:t>
             </a:r>
           </a:p>
           <a:p>
             <a:pPr lvl="4"/>
             <a:r>
-              <a:rPr lang="en-US" smtClean="0"/>
+              <a:rPr lang="en-US"/>
               <a:t>Fifth level</a:t>
             </a:r>
             <a:endParaRPr lang="en-GB"/>
@@ -1461,7 +1461,7 @@
           <a:p>
             <a:fld id="{D8D374B1-36E8-4293-89C8-B45A6D7B3AE1}" type="datetimeFigureOut">
               <a:rPr lang="en-GB" smtClean="0"/>
-              <a:t>08/10/2015</a:t>
+              <a:t>30/05/2017</a:t>
             </a:fld>
             <a:endParaRPr lang="en-GB" dirty="0"/>
           </a:p>
@@ -1564,7 +1564,7 @@
           </a:lstStyle>
           <a:p>
             <a:r>
-              <a:rPr lang="en-US" smtClean="0"/>
+              <a:rPr lang="en-US"/>
               <a:t>Click to edit Master title style</a:t>
             </a:r>
             <a:endParaRPr lang="en-GB"/>
@@ -1684,7 +1684,7 @@
           <a:p>
             <a:pPr lvl="0"/>
             <a:r>
-              <a:rPr lang="en-US" smtClean="0"/>
+              <a:rPr lang="en-US"/>
               <a:t>Click to edit Master text styles</a:t>
             </a:r>
           </a:p>
@@ -1707,7 +1707,7 @@
           <a:p>
             <a:fld id="{D8D374B1-36E8-4293-89C8-B45A6D7B3AE1}" type="datetimeFigureOut">
               <a:rPr lang="en-GB" smtClean="0"/>
-              <a:t>08/10/2015</a:t>
+              <a:t>30/05/2017</a:t>
             </a:fld>
             <a:endParaRPr lang="en-GB" dirty="0"/>
           </a:p>
@@ -1801,7 +1801,7 @@
           <a:lstStyle/>
           <a:p>
             <a:r>
-              <a:rPr lang="en-US" smtClean="0"/>
+              <a:rPr lang="en-US"/>
               <a:t>Click to edit Master title style</a:t>
             </a:r>
             <a:endParaRPr lang="en-GB"/>
@@ -1830,35 +1830,35 @@
           <a:p>
             <a:pPr lvl="0"/>
             <a:r>
-              <a:rPr lang="en-US" smtClean="0"/>
+              <a:rPr lang="en-US"/>
               <a:t>Click to edit Master text styles</a:t>
             </a:r>
           </a:p>
           <a:p>
             <a:pPr lvl="1"/>
             <a:r>
-              <a:rPr lang="en-US" smtClean="0"/>
+              <a:rPr lang="en-US"/>
               <a:t>Second level</a:t>
             </a:r>
           </a:p>
           <a:p>
             <a:pPr lvl="2"/>
             <a:r>
-              <a:rPr lang="en-US" smtClean="0"/>
+              <a:rPr lang="en-US"/>
               <a:t>Third level</a:t>
             </a:r>
           </a:p>
           <a:p>
             <a:pPr lvl="3"/>
             <a:r>
-              <a:rPr lang="en-US" smtClean="0"/>
+              <a:rPr lang="en-US"/>
               <a:t>Fourth level</a:t>
             </a:r>
           </a:p>
           <a:p>
             <a:pPr lvl="4"/>
             <a:r>
-              <a:rPr lang="en-US" smtClean="0"/>
+              <a:rPr lang="en-US"/>
               <a:t>Fifth level</a:t>
             </a:r>
             <a:endParaRPr lang="en-GB"/>
@@ -1887,35 +1887,35 @@
           <a:p>
             <a:pPr lvl="0"/>
             <a:r>
-              <a:rPr lang="en-US" smtClean="0"/>
+              <a:rPr lang="en-US"/>
               <a:t>Click to edit Master text styles</a:t>
             </a:r>
           </a:p>
           <a:p>
             <a:pPr lvl="1"/>
             <a:r>
-              <a:rPr lang="en-US" smtClean="0"/>
+              <a:rPr lang="en-US"/>
               <a:t>Second level</a:t>
             </a:r>
           </a:p>
           <a:p>
             <a:pPr lvl="2"/>
             <a:r>
-              <a:rPr lang="en-US" smtClean="0"/>
+              <a:rPr lang="en-US"/>
               <a:t>Third level</a:t>
             </a:r>
           </a:p>
           <a:p>
             <a:pPr lvl="3"/>
             <a:r>
-              <a:rPr lang="en-US" smtClean="0"/>
+              <a:rPr lang="en-US"/>
               <a:t>Fourth level</a:t>
             </a:r>
           </a:p>
           <a:p>
             <a:pPr lvl="4"/>
             <a:r>
-              <a:rPr lang="en-US" smtClean="0"/>
+              <a:rPr lang="en-US"/>
               <a:t>Fifth level</a:t>
             </a:r>
             <a:endParaRPr lang="en-GB"/>
@@ -1939,7 +1939,7 @@
           <a:p>
             <a:fld id="{D8D374B1-36E8-4293-89C8-B45A6D7B3AE1}" type="datetimeFigureOut">
               <a:rPr lang="en-GB" smtClean="0"/>
-              <a:t>08/10/2015</a:t>
+              <a:t>30/05/2017</a:t>
             </a:fld>
             <a:endParaRPr lang="en-GB" dirty="0"/>
           </a:p>
@@ -2038,7 +2038,7 @@
           <a:lstStyle/>
           <a:p>
             <a:r>
-              <a:rPr lang="en-US" smtClean="0"/>
+              <a:rPr lang="en-US"/>
               <a:t>Click to edit Master title style</a:t>
             </a:r>
             <a:endParaRPr lang="en-GB"/>
@@ -2104,7 +2104,7 @@
           <a:p>
             <a:pPr lvl="0"/>
             <a:r>
-              <a:rPr lang="en-US" smtClean="0"/>
+              <a:rPr lang="en-US"/>
               <a:t>Click to edit Master text styles</a:t>
             </a:r>
           </a:p>
@@ -2132,35 +2132,35 @@
           <a:p>
             <a:pPr lvl="0"/>
             <a:r>
-              <a:rPr lang="en-US" smtClean="0"/>
+              <a:rPr lang="en-US"/>
               <a:t>Click to edit Master text styles</a:t>
             </a:r>
           </a:p>
           <a:p>
             <a:pPr lvl="1"/>
             <a:r>
-              <a:rPr lang="en-US" smtClean="0"/>
+              <a:rPr lang="en-US"/>
               <a:t>Second level</a:t>
             </a:r>
           </a:p>
           <a:p>
             <a:pPr lvl="2"/>
             <a:r>
-              <a:rPr lang="en-US" smtClean="0"/>
+              <a:rPr lang="en-US"/>
               <a:t>Third level</a:t>
             </a:r>
           </a:p>
           <a:p>
             <a:pPr lvl="3"/>
             <a:r>
-              <a:rPr lang="en-US" smtClean="0"/>
+              <a:rPr lang="en-US"/>
               <a:t>Fourth level</a:t>
             </a:r>
           </a:p>
           <a:p>
             <a:pPr lvl="4"/>
             <a:r>
-              <a:rPr lang="en-US" smtClean="0"/>
+              <a:rPr lang="en-US"/>
               <a:t>Fifth level</a:t>
             </a:r>
             <a:endParaRPr lang="en-GB"/>
@@ -2226,7 +2226,7 @@
           <a:p>
             <a:pPr lvl="0"/>
             <a:r>
-              <a:rPr lang="en-US" smtClean="0"/>
+              <a:rPr lang="en-US"/>
               <a:t>Click to edit Master text styles</a:t>
             </a:r>
           </a:p>
@@ -2254,35 +2254,35 @@
           <a:p>
             <a:pPr lvl="0"/>
             <a:r>
-              <a:rPr lang="en-US" smtClean="0"/>
+              <a:rPr lang="en-US"/>
               <a:t>Click to edit Master text styles</a:t>
             </a:r>
           </a:p>
           <a:p>
             <a:pPr lvl="1"/>
             <a:r>
-              <a:rPr lang="en-US" smtClean="0"/>
+              <a:rPr lang="en-US"/>
               <a:t>Second level</a:t>
             </a:r>
           </a:p>
           <a:p>
             <a:pPr lvl="2"/>
             <a:r>
-              <a:rPr lang="en-US" smtClean="0"/>
+              <a:rPr lang="en-US"/>
               <a:t>Third level</a:t>
             </a:r>
           </a:p>
           <a:p>
             <a:pPr lvl="3"/>
             <a:r>
-              <a:rPr lang="en-US" smtClean="0"/>
+              <a:rPr lang="en-US"/>
               <a:t>Fourth level</a:t>
             </a:r>
           </a:p>
           <a:p>
             <a:pPr lvl="4"/>
             <a:r>
-              <a:rPr lang="en-US" smtClean="0"/>
+              <a:rPr lang="en-US"/>
               <a:t>Fifth level</a:t>
             </a:r>
             <a:endParaRPr lang="en-GB"/>
@@ -2306,7 +2306,7 @@
           <a:p>
             <a:fld id="{D8D374B1-36E8-4293-89C8-B45A6D7B3AE1}" type="datetimeFigureOut">
               <a:rPr lang="en-GB" smtClean="0"/>
-              <a:t>08/10/2015</a:t>
+              <a:t>30/05/2017</a:t>
             </a:fld>
             <a:endParaRPr lang="en-GB" dirty="0"/>
           </a:p>
@@ -2400,7 +2400,7 @@
           <a:lstStyle/>
           <a:p>
             <a:r>
-              <a:rPr lang="en-US" smtClean="0"/>
+              <a:rPr lang="en-US"/>
               <a:t>Click to edit Master title style</a:t>
             </a:r>
             <a:endParaRPr lang="en-GB"/>
@@ -2424,7 +2424,7 @@
           <a:p>
             <a:fld id="{D8D374B1-36E8-4293-89C8-B45A6D7B3AE1}" type="datetimeFigureOut">
               <a:rPr lang="en-GB" smtClean="0"/>
-              <a:t>08/10/2015</a:t>
+              <a:t>30/05/2017</a:t>
             </a:fld>
             <a:endParaRPr lang="en-GB" dirty="0"/>
           </a:p>
@@ -2519,7 +2519,7 @@
           <a:p>
             <a:fld id="{D8D374B1-36E8-4293-89C8-B45A6D7B3AE1}" type="datetimeFigureOut">
               <a:rPr lang="en-GB" smtClean="0"/>
-              <a:t>08/10/2015</a:t>
+              <a:t>30/05/2017</a:t>
             </a:fld>
             <a:endParaRPr lang="en-GB" dirty="0"/>
           </a:p>
@@ -2622,7 +2622,7 @@
           </a:lstStyle>
           <a:p>
             <a:r>
-              <a:rPr lang="en-US" smtClean="0"/>
+              <a:rPr lang="en-US"/>
               <a:t>Click to edit Master title style</a:t>
             </a:r>
             <a:endParaRPr lang="en-GB"/>
@@ -2679,35 +2679,35 @@
           <a:p>
             <a:pPr lvl="0"/>
             <a:r>
-              <a:rPr lang="en-US" smtClean="0"/>
+              <a:rPr lang="en-US"/>
               <a:t>Click to edit Master text styles</a:t>
             </a:r>
           </a:p>
           <a:p>
             <a:pPr lvl="1"/>
             <a:r>
-              <a:rPr lang="en-US" smtClean="0"/>
+              <a:rPr lang="en-US"/>
               <a:t>Second level</a:t>
             </a:r>
           </a:p>
           <a:p>
             <a:pPr lvl="2"/>
             <a:r>
-              <a:rPr lang="en-US" smtClean="0"/>
+              <a:rPr lang="en-US"/>
               <a:t>Third level</a:t>
             </a:r>
           </a:p>
           <a:p>
             <a:pPr lvl="3"/>
             <a:r>
-              <a:rPr lang="en-US" smtClean="0"/>
+              <a:rPr lang="en-US"/>
               <a:t>Fourth level</a:t>
             </a:r>
           </a:p>
           <a:p>
             <a:pPr lvl="4"/>
             <a:r>
-              <a:rPr lang="en-US" smtClean="0"/>
+              <a:rPr lang="en-US"/>
               <a:t>Fifth level</a:t>
             </a:r>
             <a:endParaRPr lang="en-GB"/>
@@ -2773,7 +2773,7 @@
           <a:p>
             <a:pPr lvl="0"/>
             <a:r>
-              <a:rPr lang="en-US" smtClean="0"/>
+              <a:rPr lang="en-US"/>
               <a:t>Click to edit Master text styles</a:t>
             </a:r>
           </a:p>
@@ -2796,7 +2796,7 @@
           <a:p>
             <a:fld id="{D8D374B1-36E8-4293-89C8-B45A6D7B3AE1}" type="datetimeFigureOut">
               <a:rPr lang="en-GB" smtClean="0"/>
-              <a:t>08/10/2015</a:t>
+              <a:t>30/05/2017</a:t>
             </a:fld>
             <a:endParaRPr lang="en-GB" dirty="0"/>
           </a:p>
@@ -2899,7 +2899,7 @@
           </a:lstStyle>
           <a:p>
             <a:r>
-              <a:rPr lang="en-US" smtClean="0"/>
+              <a:rPr lang="en-US"/>
               <a:t>Click to edit Master title style</a:t>
             </a:r>
             <a:endParaRPr lang="en-GB"/>
@@ -3026,7 +3026,7 @@
           <a:p>
             <a:pPr lvl="0"/>
             <a:r>
-              <a:rPr lang="en-US" smtClean="0"/>
+              <a:rPr lang="en-US"/>
               <a:t>Click to edit Master text styles</a:t>
             </a:r>
           </a:p>
@@ -3049,7 +3049,7 @@
           <a:p>
             <a:fld id="{D8D374B1-36E8-4293-89C8-B45A6D7B3AE1}" type="datetimeFigureOut">
               <a:rPr lang="en-GB" smtClean="0"/>
-              <a:t>08/10/2015</a:t>
+              <a:t>30/05/2017</a:t>
             </a:fld>
             <a:endParaRPr lang="en-GB" dirty="0"/>
           </a:p>
@@ -3158,7 +3158,7 @@
           <a:lstStyle/>
           <a:p>
             <a:r>
-              <a:rPr lang="en-US" smtClean="0"/>
+              <a:rPr lang="en-US"/>
               <a:t>Click to edit Master title style</a:t>
             </a:r>
             <a:endParaRPr lang="en-GB"/>
@@ -3192,35 +3192,35 @@
           <a:p>
             <a:pPr lvl="0"/>
             <a:r>
-              <a:rPr lang="en-US" smtClean="0"/>
+              <a:rPr lang="en-US"/>
               <a:t>Click to edit Master text styles</a:t>
             </a:r>
           </a:p>
           <a:p>
             <a:pPr lvl="1"/>
             <a:r>
-              <a:rPr lang="en-US" smtClean="0"/>
+              <a:rPr lang="en-US"/>
               <a:t>Second level</a:t>
             </a:r>
           </a:p>
           <a:p>
             <a:pPr lvl="2"/>
             <a:r>
-              <a:rPr lang="en-US" smtClean="0"/>
+              <a:rPr lang="en-US"/>
               <a:t>Third level</a:t>
             </a:r>
           </a:p>
           <a:p>
             <a:pPr lvl="3"/>
             <a:r>
-              <a:rPr lang="en-US" smtClean="0"/>
+              <a:rPr lang="en-US"/>
               <a:t>Fourth level</a:t>
             </a:r>
           </a:p>
           <a:p>
             <a:pPr lvl="4"/>
             <a:r>
-              <a:rPr lang="en-US" smtClean="0"/>
+              <a:rPr lang="en-US"/>
               <a:t>Fifth level</a:t>
             </a:r>
             <a:endParaRPr lang="en-GB"/>
@@ -3262,7 +3262,7 @@
           <a:p>
             <a:fld id="{D8D374B1-36E8-4293-89C8-B45A6D7B3AE1}" type="datetimeFigureOut">
               <a:rPr lang="en-GB" smtClean="0"/>
-              <a:t>08/10/2015</a:t>
+              <a:t>30/05/2017</a:t>
             </a:fld>
             <a:endParaRPr lang="en-GB" dirty="0"/>
           </a:p>
@@ -3710,10 +3710,9 @@
           <a:p>
             <a:pPr algn="ctr"/>
             <a:r>
-              <a:rPr lang="en-GB" dirty="0" smtClean="0"/>
+              <a:rPr lang="en-GB" dirty="0"/>
               <a:t> </a:t>
             </a:r>
-            <a:endParaRPr lang="en-GB" dirty="0"/>
           </a:p>
         </p:txBody>
       </p:sp>
@@ -3740,17 +3739,16 @@
           <a:lstStyle/>
           <a:p>
             <a:r>
-              <a:rPr lang="en-GB" dirty="0" smtClean="0"/>
+              <a:rPr lang="en-GB" dirty="0"/>
               <a:t>SharePoint as a </a:t>
             </a:r>
             <a:br>
-              <a:rPr lang="en-GB" dirty="0" smtClean="0"/>
+              <a:rPr lang="en-GB" dirty="0"/>
             </a:br>
             <a:r>
-              <a:rPr lang="en-GB" dirty="0" smtClean="0"/>
+              <a:rPr lang="en-GB" dirty="0"/>
               <a:t>Service Delivery Platform</a:t>
             </a:r>
-            <a:endParaRPr lang="en-GB" dirty="0"/>
           </a:p>
         </p:txBody>
       </p:sp>
@@ -3777,12 +3775,12 @@
           <a:lstStyle/>
           <a:p>
             <a:r>
-              <a:rPr lang="en-GB" sz="3000" dirty="0" smtClean="0"/>
+              <a:rPr lang="en-GB" sz="3000" dirty="0"/>
               <a:t>Points to Consider</a:t>
             </a:r>
           </a:p>
           <a:p>
-            <a:endParaRPr lang="en-GB" sz="1800" dirty="0" smtClean="0"/>
+            <a:endParaRPr lang="en-GB" sz="1800" dirty="0"/>
           </a:p>
           <a:p>
             <a:pPr marL="342900" indent="-342900">
@@ -3790,7 +3788,7 @@
               <a:buChar char="•"/>
             </a:pPr>
             <a:r>
-              <a:rPr lang="en-GB" dirty="0" smtClean="0"/>
+              <a:rPr lang="en-GB" dirty="0"/>
               <a:t>Slow moving processes</a:t>
             </a:r>
           </a:p>
@@ -3800,7 +3798,7 @@
               <a:buChar char="•"/>
             </a:pPr>
             <a:r>
-              <a:rPr lang="en-GB" dirty="0" smtClean="0"/>
+              <a:rPr lang="en-GB" dirty="0"/>
               <a:t>Political decisions</a:t>
             </a:r>
           </a:p>
@@ -3810,7 +3808,7 @@
               <a:buChar char="•"/>
             </a:pPr>
             <a:r>
-              <a:rPr lang="en-GB" dirty="0" smtClean="0"/>
+              <a:rPr lang="en-GB" dirty="0"/>
               <a:t>Scared of Change</a:t>
             </a:r>
           </a:p>
@@ -3820,7 +3818,7 @@
               <a:buChar char="•"/>
             </a:pPr>
             <a:r>
-              <a:rPr lang="en-GB" dirty="0" smtClean="0"/>
+              <a:rPr lang="en-GB" dirty="0"/>
               <a:t>This is how we have always done it!</a:t>
             </a:r>
           </a:p>
@@ -3830,7 +3828,7 @@
               <a:buChar char="•"/>
             </a:pPr>
             <a:r>
-              <a:rPr lang="en-GB" dirty="0" smtClean="0"/>
+              <a:rPr lang="en-GB" dirty="0"/>
               <a:t>Wariness of the unknown!</a:t>
             </a:r>
           </a:p>
@@ -3840,7 +3838,7 @@
               <a:buChar char="•"/>
             </a:pPr>
             <a:r>
-              <a:rPr lang="en-GB" dirty="0" smtClean="0"/>
+              <a:rPr lang="en-GB" dirty="0"/>
               <a:t>Its not broken so why fix it?</a:t>
             </a:r>
           </a:p>
@@ -3849,7 +3847,7 @@
               <a:buFont typeface="Arial" panose="020B0604020202020204" pitchFamily="34" charset="0"/>
               <a:buChar char="•"/>
             </a:pPr>
-            <a:endParaRPr lang="en-GB" dirty="0" smtClean="0"/>
+            <a:endParaRPr lang="en-GB" dirty="0"/>
           </a:p>
           <a:p>
             <a:pPr marL="342900" indent="-342900">
@@ -4488,10 +4486,9 @@
           <a:lstStyle/>
           <a:p>
             <a:r>
-              <a:rPr lang="en-GB" dirty="0" smtClean="0"/>
+              <a:rPr lang="en-GB" dirty="0"/>
               <a:t>Further Details</a:t>
             </a:r>
-            <a:endParaRPr lang="en-GB" dirty="0"/>
           </a:p>
         </p:txBody>
       </p:sp>
@@ -4518,91 +4515,61 @@
           <a:lstStyle/>
           <a:p>
             <a:r>
-              <a:rPr lang="en-GB" sz="2400" dirty="0" smtClean="0"/>
+              <a:rPr lang="en-GB" sz="2400" dirty="0"/>
               <a:t>Twitter - @ryanyates1990</a:t>
             </a:r>
           </a:p>
           <a:p>
-            <a:endParaRPr lang="en-GB" sz="2400" dirty="0" smtClean="0"/>
-          </a:p>
-          <a:p>
-            <a:r>
-              <a:rPr lang="en-GB" sz="2400" dirty="0" smtClean="0"/>
-              <a:t>LinkedIn </a:t>
-            </a:r>
+            <a:endParaRPr lang="en-GB" sz="2400" dirty="0"/>
+          </a:p>
+          <a:p>
             <a:r>
               <a:rPr lang="en-GB" sz="2400" dirty="0"/>
-              <a:t>- </a:t>
+              <a:t>LinkedIn - </a:t>
             </a:r>
             <a:r>
               <a:rPr lang="en-GB" sz="2400" dirty="0">
                 <a:hlinkClick r:id="rId2"/>
               </a:rPr>
-              <a:t>http://</a:t>
-            </a:r>
-            <a:r>
-              <a:rPr lang="en-GB" sz="2400" dirty="0" smtClean="0">
-                <a:hlinkClick r:id="rId2"/>
-              </a:rPr>
-              <a:t>uk.linkedin.com/in/ryanyates90</a:t>
-            </a:r>
-            <a:r>
-              <a:rPr lang="en-GB" sz="2400" dirty="0" smtClean="0"/>
+              <a:t>http://uk.linkedin.com/in/ryanyates90</a:t>
+            </a:r>
+            <a:r>
+              <a:rPr lang="en-GB" sz="2400" dirty="0"/>
               <a:t> </a:t>
             </a:r>
           </a:p>
           <a:p>
-            <a:endParaRPr lang="en-GB" sz="2400" dirty="0" smtClean="0"/>
-          </a:p>
-          <a:p>
-            <a:r>
-              <a:rPr lang="en-GB" sz="2400" dirty="0" smtClean="0"/>
-              <a:t>SUG </a:t>
-            </a:r>
+            <a:endParaRPr lang="en-GB" sz="2400" dirty="0"/>
+          </a:p>
+          <a:p>
             <a:r>
               <a:rPr lang="en-GB" sz="2400" dirty="0"/>
-              <a:t>Yammer </a:t>
-            </a:r>
-            <a:r>
-              <a:rPr lang="en-GB" sz="2400" dirty="0" smtClean="0"/>
-              <a:t>network -  </a:t>
-            </a:r>
-            <a:r>
-              <a:rPr lang="en-GB" sz="2400" dirty="0" smtClean="0">
-                <a:hlinkClick r:id="rId3"/>
-              </a:rPr>
-              <a:t>https</a:t>
+              <a:t>SUG Yammer network -  </a:t>
             </a:r>
             <a:r>
               <a:rPr lang="en-GB" sz="2400" dirty="0">
                 <a:hlinkClick r:id="rId3"/>
               </a:rPr>
-              <a:t>://www.yammer.com/sharepointusergroupukcommunity</a:t>
-            </a:r>
-            <a:r>
-              <a:rPr lang="en-GB" sz="2400" dirty="0" smtClean="0">
-                <a:hlinkClick r:id="rId3"/>
-              </a:rPr>
-              <a:t>/</a:t>
-            </a:r>
-            <a:endParaRPr lang="en-GB" sz="2400" dirty="0" smtClean="0"/>
-          </a:p>
-          <a:p>
+              <a:t>https://www.yammer.com/sharepointusergroupukcommunity/</a:t>
+            </a:r>
             <a:endParaRPr lang="en-GB" sz="2400" dirty="0"/>
           </a:p>
           <a:p>
-            <a:r>
-              <a:rPr lang="en-GB" sz="2400" dirty="0" smtClean="0"/>
+            <a:endParaRPr lang="en-GB" sz="2400" dirty="0"/>
+          </a:p>
+          <a:p>
+            <a:r>
+              <a:rPr lang="en-GB" sz="2400" dirty="0"/>
               <a:t>Blog – </a:t>
             </a:r>
             <a:r>
-              <a:rPr lang="en-GB" sz="2400" dirty="0" smtClean="0">
+              <a:rPr lang="en-GB" sz="2400" dirty="0">
                 <a:hlinkClick r:id="rId4"/>
               </a:rPr>
               <a:t>www.kilasuit.org/blog</a:t>
             </a:r>
             <a:r>
-              <a:rPr lang="en-GB" sz="2400" dirty="0" smtClean="0"/>
+              <a:rPr lang="en-GB" sz="2400" dirty="0"/>
               <a:t> </a:t>
             </a:r>
           </a:p>
@@ -4611,16 +4578,16 @@
           </a:p>
           <a:p>
             <a:r>
-              <a:rPr lang="en-GB" sz="2400" dirty="0" smtClean="0"/>
+              <a:rPr lang="en-GB" sz="2400" dirty="0"/>
               <a:t>Email/Lync – </a:t>
             </a:r>
             <a:r>
-              <a:rPr lang="en-GB" sz="2400" dirty="0" smtClean="0">
+              <a:rPr lang="en-GB" sz="2400" dirty="0">
                 <a:hlinkClick r:id="rId5"/>
               </a:rPr>
               <a:t>ryan.yates@kilasuit.org</a:t>
             </a:r>
-            <a:endParaRPr lang="en-GB" sz="2400" dirty="0" smtClean="0"/>
+            <a:endParaRPr lang="en-GB" sz="2400" dirty="0"/>
           </a:p>
           <a:p>
             <a:endParaRPr lang="en-GB" sz="2400" dirty="0"/>
@@ -4637,13 +4604,6 @@
   <p:clrMapOvr>
     <a:masterClrMapping/>
   </p:clrMapOvr>
-  <p:timing>
-    <p:tnLst>
-      <p:par>
-        <p:cTn id="1" dur="indefinite" restart="never" nodeType="tmRoot"/>
-      </p:par>
-    </p:tnLst>
-  </p:timing>
 </p:sld>
 </file>
 
@@ -4734,13 +4694,8 @@
           <a:p>
             <a:r>
               <a:rPr lang="en-GB" dirty="0"/>
-              <a:t>W</a:t>
-            </a:r>
-            <a:r>
-              <a:rPr lang="en-GB" dirty="0" smtClean="0"/>
-              <a:t>ho Am I?</a:t>
-            </a:r>
-            <a:endParaRPr lang="en-GB" dirty="0"/>
+              <a:t>Who Am I?</a:t>
+            </a:r>
           </a:p>
         </p:txBody>
       </p:sp>
@@ -4767,58 +4722,57 @@
           <a:lstStyle/>
           <a:p>
             <a:r>
-              <a:rPr lang="en-GB" sz="2400" dirty="0" smtClean="0"/>
+              <a:rPr lang="en-GB" sz="2400" dirty="0"/>
               <a:t>Ryan Yates – 25 – Proud father to Aaron 5 &amp; Kyra 15 months</a:t>
             </a:r>
           </a:p>
           <a:p>
-            <a:endParaRPr lang="en-GB" sz="2400" dirty="0" smtClean="0"/>
-          </a:p>
-          <a:p>
-            <a:r>
-              <a:rPr lang="en-GB" sz="2400" u="sng" dirty="0" smtClean="0"/>
+            <a:endParaRPr lang="en-GB" sz="2400" dirty="0"/>
+          </a:p>
+          <a:p>
+            <a:r>
+              <a:rPr lang="en-GB" sz="2400" u="sng" dirty="0"/>
               <a:t>Currently</a:t>
             </a:r>
           </a:p>
           <a:p>
             <a:r>
-              <a:rPr lang="en-GB" sz="2400" dirty="0" smtClean="0"/>
+              <a:rPr lang="en-GB" sz="2400" dirty="0"/>
               <a:t>MCP – Windows XP</a:t>
             </a:r>
           </a:p>
           <a:p>
-            <a:endParaRPr lang="en-GB" sz="2400" dirty="0" smtClean="0"/>
-          </a:p>
-          <a:p>
-            <a:r>
-              <a:rPr lang="en-GB" sz="2400" u="sng" dirty="0" smtClean="0"/>
+            <a:endParaRPr lang="en-GB" sz="2400" dirty="0"/>
+          </a:p>
+          <a:p>
+            <a:r>
+              <a:rPr lang="en-GB" sz="2400" u="sng" dirty="0"/>
               <a:t>Planned</a:t>
             </a:r>
           </a:p>
           <a:p>
             <a:r>
-              <a:rPr lang="en-GB" sz="2400" dirty="0" smtClean="0"/>
+              <a:rPr lang="en-GB" sz="2400" dirty="0"/>
               <a:t>MCSA Office 365</a:t>
             </a:r>
           </a:p>
           <a:p>
             <a:r>
-              <a:rPr lang="en-GB" sz="2400" dirty="0" smtClean="0"/>
+              <a:rPr lang="en-GB" sz="2400" dirty="0"/>
               <a:t>MCITP SharePoint 2010 &amp; MCSE SharePoint 2013 </a:t>
             </a:r>
           </a:p>
           <a:p>
             <a:r>
-              <a:rPr lang="en-GB" sz="2400" dirty="0" smtClean="0"/>
+              <a:rPr lang="en-GB" sz="2400" dirty="0"/>
               <a:t>MCSA Server 2008 -&gt; Server 2012</a:t>
             </a:r>
           </a:p>
           <a:p>
             <a:r>
-              <a:rPr lang="en-GB" sz="2400" dirty="0" smtClean="0"/>
+              <a:rPr lang="en-GB" sz="2400" dirty="0"/>
               <a:t>MCSE Private Cloud</a:t>
             </a:r>
-            <a:endParaRPr lang="en-GB" sz="2400" dirty="0"/>
           </a:p>
           <a:p>
             <a:endParaRPr lang="en-GB" sz="2400" dirty="0"/>
@@ -5342,10 +5296,9 @@
           <a:lstStyle/>
           <a:p>
             <a:r>
-              <a:rPr lang="en-GB" dirty="0" smtClean="0"/>
+              <a:rPr lang="en-GB" dirty="0"/>
               <a:t>Tweet me</a:t>
             </a:r>
-            <a:endParaRPr lang="en-GB" dirty="0"/>
           </a:p>
         </p:txBody>
       </p:sp>
@@ -5372,22 +5325,17 @@
           <a:lstStyle/>
           <a:p>
             <a:r>
-              <a:rPr lang="en-US" sz="4400" dirty="0" smtClean="0"/>
+              <a:rPr lang="en-US" sz="4400" dirty="0"/>
               <a:t>@r</a:t>
             </a:r>
             <a:r>
-              <a:rPr lang="en-US" sz="4400" kern="1200" dirty="0" smtClean="0">
+              <a:rPr lang="en-US" sz="4400" kern="1200" dirty="0">
                 <a:solidFill>
                   <a:schemeClr val="tx1"/>
                 </a:solidFill>
               </a:rPr>
               <a:t>yanyates1990</a:t>
             </a:r>
-            <a:endParaRPr lang="en-US" sz="4400" kern="1200" dirty="0">
-              <a:solidFill>
-                <a:schemeClr val="tx1"/>
-              </a:solidFill>
-            </a:endParaRPr>
           </a:p>
         </p:txBody>
       </p:sp>
@@ -5414,10 +5362,9 @@
           <a:lstStyle/>
           <a:p>
             <a:r>
-              <a:rPr lang="en-GB" sz="2800" dirty="0" smtClean="0"/>
+              <a:rPr lang="en-GB" sz="2800" dirty="0"/>
               <a:t>Any Photos or Questions about this now or in future</a:t>
             </a:r>
-            <a:endParaRPr lang="en-GB" sz="2800" dirty="0"/>
           </a:p>
         </p:txBody>
       </p:sp>
@@ -5431,13 +5378,6 @@
   <p:clrMapOvr>
     <a:masterClrMapping/>
   </p:clrMapOvr>
-  <p:timing>
-    <p:tnLst>
-      <p:par>
-        <p:cTn id="1" dur="indefinite" restart="never" nodeType="tmRoot"/>
-      </p:par>
-    </p:tnLst>
-  </p:timing>
 </p:sld>
 </file>
 
@@ -5691,35 +5631,33 @@
           </a:lstStyle>
           <a:p>
             <a:r>
-              <a:rPr lang="en-GB" u="sng" dirty="0" smtClean="0"/>
+              <a:rPr lang="en-GB" u="sng" dirty="0"/>
               <a:t>Currently</a:t>
             </a:r>
           </a:p>
           <a:p>
             <a:r>
-              <a:rPr lang="en-GB" dirty="0" smtClean="0"/>
+              <a:rPr lang="en-GB" dirty="0"/>
               <a:t>SharePoint Applications/Implementation Analyst - University Of Manchester </a:t>
             </a:r>
           </a:p>
           <a:p>
             <a:r>
-              <a:rPr lang="en-GB" u="sng" dirty="0" smtClean="0"/>
+              <a:rPr lang="en-GB" u="sng" dirty="0"/>
               <a:t>Previously</a:t>
             </a:r>
           </a:p>
           <a:p>
             <a:r>
-              <a:rPr lang="en-GB" dirty="0" smtClean="0"/>
+              <a:rPr lang="en-GB" dirty="0"/>
               <a:t>SharePoint User Support Services Engineering Consultant – Barclays </a:t>
             </a:r>
-            <a:endParaRPr lang="en-GB" dirty="0"/>
-          </a:p>
-          <a:p>
-            <a:r>
-              <a:rPr lang="en-GB" dirty="0" smtClean="0"/>
+          </a:p>
+          <a:p>
+            <a:r>
+              <a:rPr lang="en-GB" dirty="0"/>
               <a:t>Various Retail Jobs</a:t>
             </a:r>
-            <a:endParaRPr lang="en-GB" dirty="0"/>
           </a:p>
         </p:txBody>
       </p:sp>
@@ -5746,10 +5684,9 @@
           <a:lstStyle/>
           <a:p>
             <a:r>
-              <a:rPr lang="en-GB" dirty="0" smtClean="0"/>
+              <a:rPr lang="en-GB" dirty="0"/>
               <a:t>Professional Background</a:t>
             </a:r>
-            <a:endParaRPr lang="en-GB" dirty="0"/>
           </a:p>
         </p:txBody>
       </p:sp>
@@ -5776,7 +5713,7 @@
           <a:lstStyle/>
           <a:p>
             <a:r>
-              <a:rPr lang="en-GB" sz="2400" dirty="0" smtClean="0"/>
+              <a:rPr lang="en-GB" sz="2400" dirty="0"/>
               <a:t>Passion for all things IT related however predominantly been Microsoft Focused since Windows XP</a:t>
             </a:r>
           </a:p>
@@ -5785,7 +5722,7 @@
           </a:p>
           <a:p>
             <a:r>
-              <a:rPr lang="en-GB" sz="2400" dirty="0" smtClean="0"/>
+              <a:rPr lang="en-GB" sz="2400" dirty="0"/>
               <a:t>SharePoint was my entry into IT</a:t>
             </a:r>
           </a:p>
@@ -5794,10 +5731,9 @@
           </a:p>
           <a:p>
             <a:r>
-              <a:rPr lang="en-GB" sz="2400" dirty="0" smtClean="0"/>
+              <a:rPr lang="en-GB" sz="2400" dirty="0"/>
               <a:t>However PowerShell is my Secret love</a:t>
             </a:r>
-            <a:endParaRPr lang="en-GB" sz="2400" dirty="0"/>
           </a:p>
         </p:txBody>
       </p:sp>
@@ -5824,25 +5760,24 @@
           <a:lstStyle/>
           <a:p>
             <a:r>
-              <a:rPr lang="en-GB" dirty="0" smtClean="0"/>
+              <a:rPr lang="en-GB" dirty="0"/>
               <a:t>“Spend less time doing the same mundane tasks and spend more time pushing your knowledge in automation”</a:t>
             </a:r>
           </a:p>
           <a:p>
             <a:pPr algn="ctr"/>
             <a:r>
-              <a:rPr lang="en-GB" dirty="0" smtClean="0"/>
+              <a:rPr lang="en-GB" dirty="0"/>
               <a:t>Simple Task Automation = Early </a:t>
             </a:r>
             <a:r>
-              <a:rPr lang="en-GB" dirty="0" err="1" smtClean="0"/>
+              <a:rPr lang="en-GB" dirty="0" err="1"/>
               <a:t>DevOps</a:t>
             </a:r>
             <a:r>
-              <a:rPr lang="en-GB" dirty="0" smtClean="0"/>
+              <a:rPr lang="en-GB" dirty="0"/>
               <a:t> implementation</a:t>
             </a:r>
-            <a:endParaRPr lang="en-GB" dirty="0"/>
           </a:p>
         </p:txBody>
       </p:sp>
@@ -6315,10 +6250,9 @@
           <a:lstStyle/>
           <a:p>
             <a:r>
-              <a:rPr lang="en-GB" dirty="0" smtClean="0"/>
+              <a:rPr lang="en-GB" dirty="0"/>
               <a:t>Background to this Session</a:t>
             </a:r>
-            <a:endParaRPr lang="en-GB" dirty="0"/>
           </a:p>
         </p:txBody>
       </p:sp>
@@ -6345,22 +6279,21 @@
           <a:lstStyle/>
           <a:p>
             <a:r>
-              <a:rPr lang="en-GB" dirty="0" smtClean="0"/>
+              <a:rPr lang="en-GB" dirty="0"/>
               <a:t>How can we get round this issue?</a:t>
             </a:r>
           </a:p>
           <a:p>
             <a:r>
-              <a:rPr lang="en-GB" dirty="0" smtClean="0"/>
+              <a:rPr lang="en-GB" dirty="0"/>
               <a:t>How can we make things easier?</a:t>
             </a:r>
           </a:p>
           <a:p>
             <a:r>
-              <a:rPr lang="en-GB" dirty="0" smtClean="0"/>
+              <a:rPr lang="en-GB" dirty="0"/>
               <a:t>How can we ensure that we have a robust and scalable method for service delivery ?</a:t>
             </a:r>
-            <a:endParaRPr lang="en-GB" dirty="0"/>
           </a:p>
         </p:txBody>
       </p:sp>
@@ -6391,33 +6324,8 @@
               <a:buChar char="•"/>
             </a:pPr>
             <a:r>
-              <a:rPr lang="en-GB" sz="2400" dirty="0" smtClean="0"/>
+              <a:rPr lang="en-GB" sz="2400" dirty="0"/>
               <a:t>Tasks that take 2 or 3 minutes to do can take 3-4 days to get authorised and then actioned</a:t>
-            </a:r>
-          </a:p>
-          <a:p>
-            <a:pPr marL="342900" indent="-342900">
-              <a:buFont typeface="Arial" panose="020B0604020202020204" pitchFamily="34" charset="0"/>
-              <a:buChar char="•"/>
-            </a:pPr>
-            <a:endParaRPr lang="en-GB" sz="2400" dirty="0" smtClean="0"/>
-          </a:p>
-          <a:p>
-            <a:pPr marL="342900" indent="-342900">
-              <a:buFont typeface="Arial" panose="020B0604020202020204" pitchFamily="34" charset="0"/>
-              <a:buChar char="•"/>
-            </a:pPr>
-            <a:r>
-              <a:rPr lang="en-GB" sz="2400" dirty="0" smtClean="0"/>
-              <a:t>IT is </a:t>
-            </a:r>
-            <a:r>
-              <a:rPr lang="en-GB" sz="2400" b="1" u="sng" dirty="0" smtClean="0"/>
-              <a:t>ALWAYS</a:t>
-            </a:r>
-            <a:r>
-              <a:rPr lang="en-GB" sz="2400" dirty="0" smtClean="0"/>
-              <a:t> the blocker – Whether it be People or Processes</a:t>
             </a:r>
           </a:p>
           <a:p>
@@ -6433,8 +6341,16 @@
               <a:buChar char="•"/>
             </a:pPr>
             <a:r>
-              <a:rPr lang="en-GB" sz="2400" dirty="0" smtClean="0"/>
-              <a:t>Items of work get lost in 1 persons Inbox</a:t>
+              <a:rPr lang="en-GB" sz="2400" dirty="0"/>
+              <a:t>IT is </a:t>
+            </a:r>
+            <a:r>
+              <a:rPr lang="en-GB" sz="2400" b="1" u="sng" dirty="0"/>
+              <a:t>ALWAYS</a:t>
+            </a:r>
+            <a:r>
+              <a:rPr lang="en-GB" sz="2400" dirty="0"/>
+              <a:t> the blocker – Whether it be People or Processes</a:t>
             </a:r>
           </a:p>
           <a:p>
@@ -6450,8 +6366,8 @@
               <a:buChar char="•"/>
             </a:pPr>
             <a:r>
-              <a:rPr lang="en-GB" sz="2400" dirty="0" smtClean="0"/>
-              <a:t>No mitigation plans in place for holidays/sickness result in project delays</a:t>
+              <a:rPr lang="en-GB" sz="2400" dirty="0"/>
+              <a:t>Items of work get lost in 1 persons Inbox</a:t>
             </a:r>
           </a:p>
           <a:p>
@@ -6467,16 +6383,8 @@
               <a:buChar char="•"/>
             </a:pPr>
             <a:r>
-              <a:rPr lang="en-GB" sz="2400" dirty="0" smtClean="0"/>
-              <a:t>Business users </a:t>
-            </a:r>
-            <a:r>
-              <a:rPr lang="en-GB" sz="2400" b="1" u="sng" dirty="0" smtClean="0"/>
-              <a:t>will bypass</a:t>
-            </a:r>
-            <a:r>
-              <a:rPr lang="en-GB" sz="2400" dirty="0" smtClean="0"/>
-              <a:t> IT processes so that the work gets done – Dropbox is a common example</a:t>
+              <a:rPr lang="en-GB" sz="2400" dirty="0"/>
+              <a:t>No mitigation plans in place for holidays/sickness result in project delays</a:t>
             </a:r>
           </a:p>
           <a:p>
@@ -6491,7 +6399,32 @@
               <a:buFont typeface="Arial" panose="020B0604020202020204" pitchFamily="34" charset="0"/>
               <a:buChar char="•"/>
             </a:pPr>
-            <a:endParaRPr lang="en-GB" sz="2400" dirty="0" smtClean="0"/>
+            <a:r>
+              <a:rPr lang="en-GB" sz="2400" dirty="0"/>
+              <a:t>Business users </a:t>
+            </a:r>
+            <a:r>
+              <a:rPr lang="en-GB" sz="2400" b="1" u="sng" dirty="0"/>
+              <a:t>will bypass</a:t>
+            </a:r>
+            <a:r>
+              <a:rPr lang="en-GB" sz="2400" dirty="0"/>
+              <a:t> IT processes so that the work gets done – Dropbox is a common example</a:t>
+            </a:r>
+          </a:p>
+          <a:p>
+            <a:pPr marL="342900" indent="-342900">
+              <a:buFont typeface="Arial" panose="020B0604020202020204" pitchFamily="34" charset="0"/>
+              <a:buChar char="•"/>
+            </a:pPr>
+            <a:endParaRPr lang="en-GB" sz="2400" dirty="0"/>
+          </a:p>
+          <a:p>
+            <a:pPr marL="342900" indent="-342900">
+              <a:buFont typeface="Arial" panose="020B0604020202020204" pitchFamily="34" charset="0"/>
+              <a:buChar char="•"/>
+            </a:pPr>
+            <a:endParaRPr lang="en-GB" sz="2400" dirty="0"/>
           </a:p>
         </p:txBody>
       </p:sp>
@@ -7080,10 +7013,9 @@
           <a:lstStyle/>
           <a:p>
             <a:r>
-              <a:rPr lang="en-GB" dirty="0" smtClean="0"/>
+              <a:rPr lang="en-GB" dirty="0"/>
               <a:t>Service Delivery 101</a:t>
             </a:r>
-            <a:endParaRPr lang="en-GB" dirty="0"/>
           </a:p>
         </p:txBody>
       </p:sp>
@@ -7110,13 +7042,13 @@
           <a:lstStyle/>
           <a:p>
             <a:r>
-              <a:rPr lang="en-GB" sz="2400" dirty="0" smtClean="0"/>
+              <a:rPr lang="en-GB" sz="2400" dirty="0"/>
               <a:t>What is Service Delivery?</a:t>
             </a:r>
           </a:p>
           <a:p>
             <a:r>
-              <a:rPr lang="en-GB" sz="2400" dirty="0" smtClean="0">
+              <a:rPr lang="en-GB" sz="2400" dirty="0">
                 <a:solidFill>
                   <a:srgbClr val="C00000"/>
                 </a:solidFill>
@@ -7126,7 +7058,7 @@
           </a:p>
           <a:p>
             <a:r>
-              <a:rPr lang="en-GB" sz="2400" dirty="0" smtClean="0">
+              <a:rPr lang="en-GB" sz="2400" dirty="0">
                 <a:solidFill>
                   <a:srgbClr val="C00000"/>
                 </a:solidFill>
@@ -7134,7 +7066,7 @@
               <a:t>Standard Work Requests – New Accounts , Mailboxes, SharePoint Sites, Virtual Servers (</a:t>
             </a:r>
             <a:r>
-              <a:rPr lang="en-GB" sz="2400" dirty="0" err="1" smtClean="0">
+              <a:rPr lang="en-GB" sz="2400" dirty="0" err="1">
                 <a:solidFill>
                   <a:srgbClr val="C00000"/>
                 </a:solidFill>
@@ -7142,13 +7074,35 @@
               <a:t>std</a:t>
             </a:r>
             <a:r>
-              <a:rPr lang="en-GB" sz="2400" dirty="0" smtClean="0">
+              <a:rPr lang="en-GB" sz="2400" dirty="0">
                 <a:solidFill>
                   <a:srgbClr val="C00000"/>
                 </a:solidFill>
               </a:rPr>
               <a:t>)</a:t>
             </a:r>
+          </a:p>
+          <a:p>
+            <a:r>
+              <a:rPr lang="en-GB" sz="2400" dirty="0">
+                <a:solidFill>
+                  <a:srgbClr val="C00000"/>
+                </a:solidFill>
+              </a:rPr>
+              <a:t>Bespoke Work Requests –  Small Variations to the above</a:t>
+            </a:r>
+          </a:p>
+          <a:p>
+            <a:r>
+              <a:rPr lang="en-GB" sz="2400" dirty="0">
+                <a:solidFill>
+                  <a:srgbClr val="C00000"/>
+                </a:solidFill>
+              </a:rPr>
+              <a:t>Projects – New functionality implementations – CRM, Project Server, In-house Applications</a:t>
+            </a:r>
+          </a:p>
+          <a:p>
             <a:endParaRPr lang="en-GB" sz="2400" dirty="0">
               <a:solidFill>
                 <a:srgbClr val="C00000"/>
@@ -7157,40 +7111,13 @@
           </a:p>
           <a:p>
             <a:r>
-              <a:rPr lang="en-GB" sz="2400" dirty="0" smtClean="0">
-                <a:solidFill>
-                  <a:srgbClr val="C00000"/>
-                </a:solidFill>
-              </a:rPr>
-              <a:t>Bespoke Work Requests –  Small Variations to the above</a:t>
-            </a:r>
-          </a:p>
-          <a:p>
-            <a:r>
-              <a:rPr lang="en-GB" sz="2400" dirty="0" smtClean="0">
-                <a:solidFill>
-                  <a:srgbClr val="C00000"/>
-                </a:solidFill>
-              </a:rPr>
-              <a:t>Projects – New functionality implementations – CRM, Project Server, In-house Applications</a:t>
-            </a:r>
-          </a:p>
-          <a:p>
-            <a:endParaRPr lang="en-GB" sz="2400" dirty="0" smtClean="0">
-              <a:solidFill>
-                <a:srgbClr val="C00000"/>
-              </a:solidFill>
-            </a:endParaRPr>
-          </a:p>
-          <a:p>
-            <a:r>
-              <a:rPr lang="en-GB" sz="2400" dirty="0" smtClean="0"/>
+              <a:rPr lang="en-GB" sz="2400" dirty="0"/>
               <a:t>Why should we worry about not delivering within our own environment?</a:t>
             </a:r>
           </a:p>
           <a:p>
             <a:r>
-              <a:rPr lang="en-GB" sz="2400" dirty="0" smtClean="0">
+              <a:rPr lang="en-GB" sz="2400" dirty="0">
                 <a:solidFill>
                   <a:srgbClr val="C00000"/>
                 </a:solidFill>
@@ -7198,7 +7125,7 @@
               <a:t>Imagine the inability to withdraw cash or that Credit\Debit cards no longer existed or Online Shopping Sites didn’t exist – How would you cope day to day? – That is how the business users will continue to view IT – Behind the times inefficient and the </a:t>
             </a:r>
             <a:r>
-              <a:rPr lang="en-GB" sz="2400" b="1" u="sng" dirty="0" smtClean="0">
+              <a:rPr lang="en-GB" sz="2400" b="1" u="sng" dirty="0">
                 <a:solidFill>
                   <a:srgbClr val="C00000"/>
                 </a:solidFill>
@@ -7206,18 +7133,13 @@
               <a:t>LAST</a:t>
             </a:r>
             <a:r>
-              <a:rPr lang="en-GB" sz="2400" dirty="0" smtClean="0">
+              <a:rPr lang="en-GB" sz="2400" dirty="0">
                 <a:solidFill>
                   <a:srgbClr val="C00000"/>
                 </a:solidFill>
               </a:rPr>
               <a:t> resort</a:t>
             </a:r>
-            <a:endParaRPr lang="en-GB" sz="2400" dirty="0">
-              <a:solidFill>
-                <a:srgbClr val="C00000"/>
-              </a:solidFill>
-            </a:endParaRPr>
           </a:p>
         </p:txBody>
       </p:sp>
@@ -7245,10 +7167,9 @@
           <a:p>
             <a:pPr algn="ctr"/>
             <a:r>
-              <a:rPr lang="en-GB" sz="2400" dirty="0" smtClean="0"/>
+              <a:rPr lang="en-GB" sz="2400" dirty="0"/>
               <a:t>So what can we look to do to mitigate these Issues?</a:t>
             </a:r>
-            <a:endParaRPr lang="en-GB" sz="2400" dirty="0"/>
           </a:p>
         </p:txBody>
       </p:sp>
@@ -7262,13 +7183,6 @@
   <p:clrMapOvr>
     <a:masterClrMapping/>
   </p:clrMapOvr>
-  <p:timing>
-    <p:tnLst>
-      <p:par>
-        <p:cTn id="1" dur="indefinite" restart="never" nodeType="tmRoot"/>
-      </p:par>
-    </p:tnLst>
-  </p:timing>
 </p:sld>
 </file>
 
@@ -7358,10 +7272,9 @@
           <a:lstStyle/>
           <a:p>
             <a:r>
-              <a:rPr lang="en-GB" dirty="0" smtClean="0"/>
+              <a:rPr lang="en-GB" dirty="0"/>
               <a:t>Round the Room Votes!</a:t>
             </a:r>
-            <a:endParaRPr lang="en-GB" dirty="0"/>
           </a:p>
         </p:txBody>
       </p:sp>
@@ -7392,7 +7305,7 @@
               <a:buChar char="•"/>
             </a:pPr>
             <a:r>
-              <a:rPr lang="en-GB" sz="2800" dirty="0" smtClean="0"/>
+              <a:rPr lang="en-GB" sz="2800" dirty="0"/>
               <a:t>Company size – Under 100 FTE’s = ??  100 to 200 FTE’s = ??  200 to 500 FTE’s = ?? 500-1000 FTE’s = ?? 1000+ FTE’s = ??</a:t>
             </a:r>
           </a:p>
@@ -7409,7 +7322,7 @@
               <a:buChar char="•"/>
             </a:pPr>
             <a:r>
-              <a:rPr lang="en-GB" sz="2800" dirty="0" smtClean="0"/>
+              <a:rPr lang="en-GB" sz="2800" dirty="0"/>
               <a:t>Do you have SharePoint??   Yes = ?? %  No = ?? %</a:t>
             </a:r>
           </a:p>
@@ -7426,7 +7339,7 @@
               <a:buChar char="•"/>
             </a:pPr>
             <a:r>
-              <a:rPr lang="en-GB" sz="2800" dirty="0" smtClean="0"/>
+              <a:rPr lang="en-GB" sz="2800" dirty="0"/>
               <a:t>If yes then is it – 2003 = ??  2007 = ??  2010 = ??  2013 = ??  Online = ??  Not Sure = ??</a:t>
             </a:r>
           </a:p>
@@ -7449,13 +7362,6 @@
   <p:clrMapOvr>
     <a:masterClrMapping/>
   </p:clrMapOvr>
-  <p:timing>
-    <p:tnLst>
-      <p:par>
-        <p:cTn id="1" dur="indefinite" restart="never" nodeType="tmRoot"/>
-      </p:par>
-    </p:tnLst>
-  </p:timing>
 </p:sld>
 </file>
 
@@ -7545,10 +7451,38 @@
           <a:lstStyle/>
           <a:p>
             <a:r>
-              <a:rPr lang="en-GB" dirty="0" smtClean="0"/>
+              <a:rPr lang="en-GB" dirty="0"/>
               <a:t>DEMO</a:t>
             </a:r>
-            <a:endParaRPr lang="en-GB" dirty="0"/>
+          </a:p>
+        </p:txBody>
+      </p:sp>
+      <p:sp>
+        <p:nvSpPr>
+          <p:cNvPr id="3" name="TextBox 2"/>
+          <p:cNvSpPr txBox="1"/>
+          <p:nvPr/>
+        </p:nvSpPr>
+        <p:spPr>
+          <a:xfrm>
+            <a:off x="867905" y="1937288"/>
+            <a:ext cx="10383864" cy="923330"/>
+          </a:xfrm>
+          <a:prstGeom prst="rect">
+            <a:avLst/>
+          </a:prstGeom>
+          <a:noFill/>
+        </p:spPr>
+        <p:txBody>
+          <a:bodyPr wrap="square" rtlCol="0">
+            <a:spAutoFit/>
+          </a:bodyPr>
+          <a:lstStyle/>
+          <a:p>
+            <a:r>
+              <a:rPr lang="en-GB" dirty="0"/>
+              <a:t>In this Demo we will show how we can use either an on-premises SharePoint Instance or a SharePoint Online instance to provide a simple user friendly form to enable user creation to be a more automated, and therefore streamlined process. </a:t>
+            </a:r>
           </a:p>
         </p:txBody>
       </p:sp>
@@ -7562,13 +7496,6 @@
   <p:clrMapOvr>
     <a:masterClrMapping/>
   </p:clrMapOvr>
-  <p:timing>
-    <p:tnLst>
-      <p:par>
-        <p:cTn id="1" dur="indefinite" restart="never" nodeType="tmRoot"/>
-      </p:par>
-    </p:tnLst>
-  </p:timing>
 </p:sld>
 </file>
 
@@ -7658,10 +7585,9 @@
           <a:lstStyle/>
           <a:p>
             <a:r>
-              <a:rPr lang="en-GB" dirty="0" smtClean="0"/>
+              <a:rPr lang="en-GB" dirty="0"/>
               <a:t>Any Questions??</a:t>
             </a:r>
-            <a:endParaRPr lang="en-GB" dirty="0"/>
           </a:p>
         </p:txBody>
       </p:sp>
@@ -7675,13 +7601,6 @@
   <p:clrMapOvr>
     <a:masterClrMapping/>
   </p:clrMapOvr>
-  <p:timing>
-    <p:tnLst>
-      <p:par>
-        <p:cTn id="1" dur="indefinite" restart="never" nodeType="tmRoot"/>
-      </p:par>
-    </p:tnLst>
-  </p:timing>
 </p:sld>
 </file>
 
